--- a/tkumar_ML_final.pptx
+++ b/tkumar_ML_final.pptx
@@ -10093,7 +10093,7 @@
           </a:bodyPr>
           <a:lstStyle/>
           <a:p>
-            <a:pPr marL="171450" lvl="0" indent="-44450" algn="l" rtl="0">
+            <a:pPr marL="469900" lvl="0" algn="l" rtl="0">
               <a:lnSpc>
                 <a:spcPct val="90000"/>
               </a:lnSpc>
@@ -10107,14 +10107,133 @@
                 <a:srgbClr val="002060"/>
               </a:buClr>
               <a:buSzPts val="2000"/>
-              <a:buNone/>
+              <a:buFont typeface="Arial" panose="020B0604020202020204" pitchFamily="34" charset="0"/>
+              <a:buChar char="•"/>
             </a:pPr>
-            <a:endParaRPr sz="2000" b="0" dirty="0">
-              <a:latin typeface="Garamond"/>
-              <a:ea typeface="Garamond"/>
-              <a:cs typeface="Garamond"/>
-              <a:sym typeface="Garamond"/>
-            </a:endParaRPr>
+            <a:r>
+              <a:rPr lang="en-US" sz="2000" b="0" u="sng" dirty="0">
+                <a:latin typeface="Garamond"/>
+                <a:sym typeface="Garamond"/>
+              </a:rPr>
+              <a:t>Usage of k-means clustering </a:t>
+            </a:r>
+            <a:r>
+              <a:rPr lang="en-US" sz="2000" b="0" dirty="0">
+                <a:latin typeface="Garamond"/>
+                <a:ea typeface="Garamond"/>
+                <a:cs typeface="Garamond"/>
+                <a:sym typeface="Garamond"/>
+              </a:rPr>
+              <a:t>to identify clusters of a household data based on  - </a:t>
+            </a:r>
+            <a:r>
+              <a:rPr lang="en-US" sz="2000" b="0" u="sng" dirty="0">
+                <a:latin typeface="Garamond"/>
+                <a:sym typeface="Garamond"/>
+              </a:rPr>
+              <a:t>purchase behavior, basis of purchase</a:t>
+            </a:r>
+            <a:r>
+              <a:rPr lang="en-US" sz="2000" b="0" dirty="0">
+                <a:latin typeface="Garamond"/>
+                <a:ea typeface="Garamond"/>
+                <a:cs typeface="Garamond"/>
+                <a:sym typeface="Garamond"/>
+              </a:rPr>
+              <a:t>. </a:t>
+            </a:r>
+          </a:p>
+          <a:p>
+            <a:pPr marL="469900">
+              <a:buSzPts val="2000"/>
+              <a:buFont typeface="Arial" panose="020B0604020202020204" pitchFamily="34" charset="0"/>
+              <a:buChar char="•"/>
+            </a:pPr>
+            <a:r>
+              <a:rPr lang="en-US" sz="2000" b="0" dirty="0">
+                <a:latin typeface="Garamond"/>
+              </a:rPr>
+              <a:t>The observed data is now traditionally segmented based on purchaser demographics. Requirement is to </a:t>
+            </a:r>
+            <a:r>
+              <a:rPr lang="en-US" sz="2000" b="0" u="sng" dirty="0">
+                <a:latin typeface="Garamond"/>
+              </a:rPr>
+              <a:t>segment the market based on </a:t>
+            </a:r>
+            <a:r>
+              <a:rPr lang="en-US" sz="2000" b="0" dirty="0">
+                <a:latin typeface="Garamond"/>
+              </a:rPr>
+              <a:t>mentioned key sets of variables which are more directly related to the consumer. </a:t>
+            </a:r>
+            <a:r>
+              <a:rPr lang="en-US" sz="2000" b="0" dirty="0">
+                <a:latin typeface="Garamond"/>
+                <a:sym typeface="Garamond"/>
+              </a:rPr>
+              <a:t>   </a:t>
+            </a:r>
+          </a:p>
+          <a:p>
+            <a:pPr marL="469900" lvl="0" algn="l" rtl="0">
+              <a:lnSpc>
+                <a:spcPct val="90000"/>
+              </a:lnSpc>
+              <a:spcBef>
+                <a:spcPts val="750"/>
+              </a:spcBef>
+              <a:spcAft>
+                <a:spcPts val="0"/>
+              </a:spcAft>
+              <a:buClr>
+                <a:srgbClr val="002060"/>
+              </a:buClr>
+              <a:buSzPts val="2000"/>
+              <a:buFont typeface="Arial" panose="020B0604020202020204" pitchFamily="34" charset="0"/>
+              <a:buChar char="•"/>
+            </a:pPr>
+            <a:r>
+              <a:rPr lang="en-US" sz="2000" b="0" dirty="0">
+                <a:latin typeface="Garamond"/>
+                <a:ea typeface="Garamond"/>
+                <a:cs typeface="Garamond"/>
+                <a:sym typeface="Garamond"/>
+              </a:rPr>
+              <a:t>For an unsupervised machine learning method the primary goal is to </a:t>
+            </a:r>
+            <a:r>
+              <a:rPr lang="en-US" sz="2000" b="0" u="sng" dirty="0">
+                <a:latin typeface="Garamond"/>
+                <a:sym typeface="Garamond"/>
+              </a:rPr>
+              <a:t>identify the optimal size of the clusters</a:t>
+            </a:r>
+            <a:r>
+              <a:rPr lang="en-US" sz="2000" b="0" dirty="0">
+                <a:latin typeface="Garamond"/>
+                <a:ea typeface="Garamond"/>
+                <a:cs typeface="Garamond"/>
+                <a:sym typeface="Garamond"/>
+              </a:rPr>
+              <a:t>. It is expected to find optimal cluster size of this customer data, so that </a:t>
+            </a:r>
+            <a:r>
+              <a:rPr lang="en-US" sz="2000" b="0" u="sng" dirty="0">
+                <a:latin typeface="Garamond"/>
+                <a:sym typeface="Garamond"/>
+              </a:rPr>
+              <a:t>promotional activities </a:t>
+            </a:r>
+            <a:r>
+              <a:rPr lang="en-US" sz="2000" b="0" dirty="0">
+                <a:latin typeface="Garamond"/>
+                <a:ea typeface="Garamond"/>
+                <a:cs typeface="Garamond"/>
+                <a:sym typeface="Garamond"/>
+              </a:rPr>
+              <a:t>can be well planned. </a:t>
+            </a:r>
           </a:p>
         </p:txBody>
       </p:sp>
@@ -10229,17 +10348,161 @@
         </p:nvSpPr>
         <p:spPr>
           <a:xfrm>
-            <a:off x="628650" y="1065620"/>
-            <a:ext cx="7886700" cy="3534955"/>
+            <a:off x="628650" y="894230"/>
+            <a:ext cx="7886700" cy="3706346"/>
           </a:xfrm>
         </p:spPr>
         <p:txBody>
           <a:bodyPr/>
           <a:lstStyle/>
           <a:p>
+            <a:r>
+              <a:rPr lang="en-US" b="0" dirty="0">
+                <a:latin typeface="Garamond" panose="02020404030301010803" pitchFamily="18" charset="0"/>
+              </a:rPr>
+              <a:t>Customer data with 600 observations has been provided for the analysis. </a:t>
+            </a:r>
+          </a:p>
+          <a:p>
+            <a:r>
+              <a:rPr lang="en-US" b="0" dirty="0">
+                <a:latin typeface="Garamond" panose="02020404030301010803" pitchFamily="18" charset="0"/>
+              </a:rPr>
+              <a:t>Key customer/household attributes which factors in clustering: </a:t>
+            </a:r>
+          </a:p>
+          <a:p>
+            <a:pPr lvl="1">
+              <a:buFont typeface="+mj-lt"/>
+              <a:buAutoNum type="arabicPeriod"/>
+            </a:pPr>
+            <a:r>
+              <a:rPr lang="en-US" b="0" dirty="0">
+                <a:solidFill>
+                  <a:schemeClr val="accent1">
+                    <a:lumMod val="50000"/>
+                  </a:schemeClr>
+                </a:solidFill>
+                <a:latin typeface="Garamond" panose="02020404030301010803" pitchFamily="18" charset="0"/>
+              </a:rPr>
+              <a:t>Demographics </a:t>
+            </a:r>
+          </a:p>
+          <a:p>
+            <a:pPr lvl="1">
+              <a:buFont typeface="+mj-lt"/>
+              <a:buAutoNum type="arabicPeriod"/>
+            </a:pPr>
+            <a:r>
+              <a:rPr lang="en-US" dirty="0">
+                <a:solidFill>
+                  <a:schemeClr val="accent1">
+                    <a:lumMod val="50000"/>
+                  </a:schemeClr>
+                </a:solidFill>
+                <a:latin typeface="Garamond" panose="02020404030301010803" pitchFamily="18" charset="0"/>
+              </a:rPr>
+              <a:t>Purchase summary (brands, volume, transactions)</a:t>
+            </a:r>
+          </a:p>
+          <a:p>
+            <a:pPr lvl="1">
+              <a:buFont typeface="+mj-lt"/>
+              <a:buAutoNum type="arabicPeriod"/>
+            </a:pPr>
+            <a:r>
+              <a:rPr lang="en-US" b="0" dirty="0">
+                <a:solidFill>
+                  <a:schemeClr val="accent1">
+                    <a:lumMod val="50000"/>
+                  </a:schemeClr>
+                </a:solidFill>
+                <a:latin typeface="Garamond" panose="02020404030301010803" pitchFamily="18" charset="0"/>
+              </a:rPr>
+              <a:t>Purchase with promotions</a:t>
+            </a:r>
+          </a:p>
+          <a:p>
+            <a:pPr lvl="1">
+              <a:buFont typeface="+mj-lt"/>
+              <a:buAutoNum type="arabicPeriod"/>
+            </a:pPr>
+            <a:r>
+              <a:rPr lang="en-US" b="0" dirty="0">
+                <a:solidFill>
+                  <a:schemeClr val="accent1">
+                    <a:lumMod val="50000"/>
+                  </a:schemeClr>
+                </a:solidFill>
+                <a:latin typeface="Garamond" panose="02020404030301010803" pitchFamily="18" charset="0"/>
+              </a:rPr>
+              <a:t>Brand Loyalty</a:t>
+            </a:r>
+          </a:p>
+          <a:p>
+            <a:pPr lvl="1">
+              <a:buFont typeface="+mj-lt"/>
+              <a:buAutoNum type="arabicPeriod"/>
+            </a:pPr>
+            <a:r>
+              <a:rPr lang="en-US" dirty="0">
+                <a:solidFill>
+                  <a:schemeClr val="accent1">
+                    <a:lumMod val="50000"/>
+                  </a:schemeClr>
+                </a:solidFill>
+                <a:latin typeface="Garamond" panose="02020404030301010803" pitchFamily="18" charset="0"/>
+              </a:rPr>
+              <a:t>Price Category</a:t>
+            </a:r>
             <a:endParaRPr lang="en-US" b="0" dirty="0">
+              <a:solidFill>
+                <a:schemeClr val="accent1">
+                  <a:lumMod val="50000"/>
+                </a:schemeClr>
+              </a:solidFill>
               <a:latin typeface="Garamond" panose="02020404030301010803" pitchFamily="18" charset="0"/>
             </a:endParaRPr>
+          </a:p>
+          <a:p>
+            <a:pPr marL="457200" lvl="1" indent="-355600">
+              <a:spcBef>
+                <a:spcPts val="750"/>
+              </a:spcBef>
+              <a:buClr>
+                <a:srgbClr val="002060"/>
+              </a:buClr>
+              <a:buSzPts val="2000"/>
+            </a:pPr>
+            <a:r>
+              <a:rPr lang="en-US" sz="2000" dirty="0">
+                <a:solidFill>
+                  <a:srgbClr val="002060"/>
+                </a:solidFill>
+                <a:latin typeface="Garamond" panose="02020404030301010803" pitchFamily="18" charset="0"/>
+              </a:rPr>
+              <a:t>Measuring brand loyalty: This has been done by identifying the highest purchased brand and its volume. These derived attributes has been added to find customer segmentation.</a:t>
+            </a:r>
+          </a:p>
+          <a:p>
+            <a:pPr marL="457200" lvl="1" indent="-355600">
+              <a:spcBef>
+                <a:spcPts val="750"/>
+              </a:spcBef>
+              <a:buClr>
+                <a:srgbClr val="002060"/>
+              </a:buClr>
+              <a:buSzPts val="2000"/>
+            </a:pPr>
+            <a:r>
+              <a:rPr lang="en-US" sz="2000" dirty="0">
+                <a:solidFill>
+                  <a:srgbClr val="002060"/>
+                </a:solidFill>
+                <a:latin typeface="Garamond" panose="02020404030301010803" pitchFamily="18" charset="0"/>
+              </a:rPr>
+              <a:t>Multiple combinations of purchaser attributes been used to identify the best cluster.  </a:t>
+            </a:r>
           </a:p>
         </p:txBody>
       </p:sp>
@@ -10298,7 +10561,7 @@
               <a:rPr lang="en-US" dirty="0">
                 <a:latin typeface="Garamond"/>
               </a:rPr>
-              <a:t>Analysis Outcome</a:t>
+              <a:t>Recommendations </a:t>
             </a:r>
             <a:endParaRPr lang="en-US" dirty="0"/>
           </a:p>
@@ -10330,6 +10593,65 @@
           <a:bodyPr/>
           <a:lstStyle/>
           <a:p>
+            <a:pPr marL="101600" indent="0">
+              <a:buNone/>
+            </a:pPr>
+            <a:endParaRPr lang="en-US" b="0" dirty="0">
+              <a:latin typeface="Garamond" panose="02020404030301010803" pitchFamily="18" charset="0"/>
+            </a:endParaRPr>
+          </a:p>
+          <a:p>
+            <a:pPr marL="101600" indent="0">
+              <a:buNone/>
+            </a:pPr>
+            <a:r>
+              <a:rPr lang="en-US" b="0" dirty="0">
+                <a:latin typeface="Garamond" panose="02020404030301010803" pitchFamily="18" charset="0"/>
+              </a:rPr>
+              <a:t>Based on the clustering analysis of the data, I would like to suggest:</a:t>
+            </a:r>
+          </a:p>
+          <a:p>
+            <a:pPr lvl="1"/>
+            <a:r>
+              <a:rPr lang="en-US" sz="1800" dirty="0">
+                <a:solidFill>
+                  <a:schemeClr val="accent1">
+                    <a:lumMod val="50000"/>
+                  </a:schemeClr>
+                </a:solidFill>
+                <a:latin typeface="Garamond" panose="02020404030301010803" pitchFamily="18" charset="0"/>
+              </a:rPr>
+              <a:t>Customers would be best segmented into 2 clusters. </a:t>
+            </a:r>
+          </a:p>
+          <a:p>
+            <a:pPr lvl="1"/>
+            <a:r>
+              <a:rPr lang="en-US" sz="1800" b="0" dirty="0">
+                <a:solidFill>
+                  <a:schemeClr val="accent1">
+                    <a:lumMod val="50000"/>
+                  </a:schemeClr>
+                </a:solidFill>
+                <a:latin typeface="Garamond" panose="02020404030301010803" pitchFamily="18" charset="0"/>
+              </a:rPr>
+              <a:t>Direct mai</a:t>
+            </a:r>
+            <a:r>
+              <a:rPr lang="en-US" sz="1800" dirty="0">
+                <a:solidFill>
+                  <a:schemeClr val="accent1">
+                    <a:lumMod val="50000"/>
+                  </a:schemeClr>
+                </a:solidFill>
+                <a:latin typeface="Garamond" panose="02020404030301010803" pitchFamily="18" charset="0"/>
+              </a:rPr>
+              <a:t>ling customers are the customers which are not much loyal to any brands. Thus, companies can start promoting to them to get to the loyal customer segment. </a:t>
+            </a:r>
+          </a:p>
+          <a:p>
+            <a:pPr lvl="1"/>
             <a:endParaRPr lang="en-US" b="0" dirty="0">
               <a:latin typeface="Garamond" panose="02020404030301010803" pitchFamily="18" charset="0"/>
             </a:endParaRPr>
